--- a/MAC_Projet_Christen_Dupraz_Mottier.pptx
+++ b/MAC_Projet_Christen_Dupraz_Mottier.pptx
@@ -4179,7 +4179,14 @@
             <a:pPr lvl="2"/>
             <a:r>
               <a:rPr lang="fr-CH" dirty="0"/>
-              <a:t>LIKE : User → Game</a:t>
+              <a:t>LIKE : User → Game | User → Genre </a:t>
+            </a:r>
+          </a:p>
+          <a:p>
+            <a:pPr lvl="2"/>
+            <a:r>
+              <a:rPr lang="fr-CH" dirty="0"/>
+              <a:t>OWNS : User → Platform</a:t>
             </a:r>
           </a:p>
         </p:txBody>
@@ -4272,10 +4279,10 @@
       </p:sp>
       <p:pic>
         <p:nvPicPr>
-          <p:cNvPr id="9" name="Image 8">
-            <a:extLst>
-              <a:ext uri="{FF2B5EF4-FFF2-40B4-BE49-F238E27FC236}">
-                <a16:creationId xmlns:a16="http://schemas.microsoft.com/office/drawing/2014/main" id="{EC6B86AE-8BD1-4B7F-8FFF-114A73041211}"/>
+          <p:cNvPr id="11" name="Image 10">
+            <a:extLst>
+              <a:ext uri="{FF2B5EF4-FFF2-40B4-BE49-F238E27FC236}">
+                <a16:creationId xmlns:a16="http://schemas.microsoft.com/office/drawing/2014/main" id="{90E7F54F-7E8F-4168-BCFF-1726AB8F0684}"/>
               </a:ext>
             </a:extLst>
           </p:cNvPr>
@@ -4284,7 +4291,7 @@
           </p:cNvPicPr>
           <p:nvPr/>
         </p:nvPicPr>
-        <p:blipFill>
+        <p:blipFill rotWithShape="1">
           <a:blip r:embed="rId2">
             <a:extLst>
               <a:ext uri="{28A0092B-C50C-407E-A947-70E740481C1C}">
@@ -4292,18 +4299,22 @@
               </a:ext>
             </a:extLst>
           </a:blip>
-          <a:stretch>
-            <a:fillRect/>
-          </a:stretch>
+          <a:srcRect l="30630" t="41810" r="38327" b="28560"/>
+          <a:stretch/>
         </p:blipFill>
         <p:spPr>
           <a:xfrm>
-            <a:off x="5889320" y="1694737"/>
-            <a:ext cx="5755478" cy="2970569"/>
+            <a:off x="7239786" y="1825625"/>
+            <a:ext cx="3588238" cy="2668937"/>
           </a:xfrm>
           <a:prstGeom prst="rect">
             <a:avLst/>
           </a:prstGeom>
+          <a:ln w="3175">
+            <a:solidFill>
+              <a:schemeClr val="tx1"/>
+            </a:solidFill>
+          </a:ln>
         </p:spPr>
       </p:pic>
     </p:spTree>
@@ -4945,7 +4956,7 @@
           <a:p>
             <a:r>
               <a:rPr lang="fr-CH" dirty="0"/>
-              <a:t>Beaucoup de problème «asynchrone»</a:t>
+              <a:t>Beaucoup de problèmes «asynchrones»</a:t>
             </a:r>
           </a:p>
           <a:p>
